--- a/USB backup/IVCI-Borbély-Arduino Herná Konzola.pptx
+++ b/USB backup/IVCI-Borbély-Arduino Herná Konzola.pptx
@@ -5,7 +5,7 @@
     <p:sldMasterId id="2147483648" r:id="rId1"/>
   </p:sldMasterIdLst>
   <p:notesMasterIdLst>
-    <p:notesMasterId r:id="rId9"/>
+    <p:notesMasterId r:id="rId10"/>
   </p:notesMasterIdLst>
   <p:sldIdLst>
     <p:sldId id="256" r:id="rId3"/>
@@ -13,11 +13,13 @@
     <p:sldId id="260" r:id="rId5"/>
     <p:sldId id="261" r:id="rId6"/>
     <p:sldId id="263" r:id="rId7"/>
-    <p:sldId id="266" r:id="rId8"/>
-    <p:sldId id="269" r:id="rId10"/>
-    <p:sldId id="270" r:id="rId11"/>
-    <p:sldId id="271" r:id="rId12"/>
-    <p:sldId id="262" r:id="rId13"/>
+    <p:sldId id="273" r:id="rId8"/>
+    <p:sldId id="266" r:id="rId9"/>
+    <p:sldId id="269" r:id="rId11"/>
+    <p:sldId id="270" r:id="rId12"/>
+    <p:sldId id="271" r:id="rId13"/>
+    <p:sldId id="272" r:id="rId14"/>
+    <p:sldId id="262" r:id="rId15"/>
   </p:sldIdLst>
   <p:sldSz cx="12192000" cy="6858000"/>
   <p:notesSz cx="6858000" cy="9144000"/>
@@ -1091,6 +1093,173 @@
 </p:sldLayout>
 </file>
 
+<file path=ppt/slideLayouts/slideLayout12.xml><?xml version="1.0" encoding="utf-8"?>
+<p:sldLayout xmlns:a="http://schemas.openxmlformats.org/drawingml/2006/main" xmlns:r="http://schemas.openxmlformats.org/officeDocument/2006/relationships" xmlns:p="http://schemas.openxmlformats.org/presentationml/2006/main" type="tx" preserve="1">
+  <p:cSld name="Title and Text">
+    <p:spTree>
+      <p:nvGrpSpPr>
+        <p:cNvPr id="1" name=""/>
+        <p:cNvGrpSpPr/>
+        <p:nvPr/>
+      </p:nvGrpSpPr>
+      <p:grpSpPr>
+        <a:xfrm>
+          <a:off x="0" y="0"/>
+          <a:ext cx="0" cy="0"/>
+          <a:chOff x="0" y="0"/>
+          <a:chExt cx="0" cy="0"/>
+        </a:xfrm>
+      </p:grpSpPr>
+      <p:sp>
+        <p:nvSpPr>
+          <p:cNvPr id="2" name="Title 1"/>
+          <p:cNvSpPr>
+            <a:spLocks noGrp="1"/>
+          </p:cNvSpPr>
+          <p:nvPr>
+            <p:ph type="title"/>
+          </p:nvPr>
+        </p:nvSpPr>
+        <p:spPr/>
+        <p:txBody>
+          <a:bodyPr/>
+          <a:lstStyle/>
+          <a:p>
+            <a:r>
+              <a:rPr lang="en-US" smtClean="0"/>
+              <a:t>Click to edit Master title style</a:t>
+            </a:r>
+            <a:endParaRPr lang="en-US"/>
+          </a:p>
+        </p:txBody>
+      </p:sp>
+      <p:sp>
+        <p:nvSpPr>
+          <p:cNvPr id="3" name="Text Placeholder 2"/>
+          <p:cNvSpPr>
+            <a:spLocks noGrp="1"/>
+          </p:cNvSpPr>
+          <p:nvPr>
+            <p:ph type="body" idx="1"/>
+          </p:nvPr>
+        </p:nvSpPr>
+        <p:spPr/>
+        <p:txBody>
+          <a:bodyPr/>
+          <a:lstStyle/>
+          <a:p>
+            <a:pPr lvl="0"/>
+            <a:r>
+              <a:rPr lang="en-US" smtClean="0"/>
+              <a:t>Click to edit Master text styles</a:t>
+            </a:r>
+            <a:endParaRPr lang="en-US" smtClean="0"/>
+          </a:p>
+          <a:p>
+            <a:pPr lvl="1"/>
+            <a:r>
+              <a:rPr lang="en-US" smtClean="0"/>
+              <a:t>Second level</a:t>
+            </a:r>
+            <a:endParaRPr lang="en-US" smtClean="0"/>
+          </a:p>
+          <a:p>
+            <a:pPr lvl="2"/>
+            <a:r>
+              <a:rPr lang="en-US" smtClean="0"/>
+              <a:t>Third level</a:t>
+            </a:r>
+            <a:endParaRPr lang="en-US" smtClean="0"/>
+          </a:p>
+          <a:p>
+            <a:pPr lvl="3"/>
+            <a:r>
+              <a:rPr lang="en-US" smtClean="0"/>
+              <a:t>Fourth level</a:t>
+            </a:r>
+            <a:endParaRPr lang="en-US" smtClean="0"/>
+          </a:p>
+          <a:p>
+            <a:pPr lvl="4"/>
+            <a:r>
+              <a:rPr lang="en-US" smtClean="0"/>
+              <a:t>Fifth level</a:t>
+            </a:r>
+            <a:endParaRPr lang="en-US"/>
+          </a:p>
+        </p:txBody>
+      </p:sp>
+      <p:sp>
+        <p:nvSpPr>
+          <p:cNvPr id="4" name="Date Placeholder 3"/>
+          <p:cNvSpPr>
+            <a:spLocks noGrp="1"/>
+          </p:cNvSpPr>
+          <p:nvPr>
+            <p:ph type="dt" sz="half" idx="10"/>
+          </p:nvPr>
+        </p:nvSpPr>
+        <p:spPr/>
+        <p:txBody>
+          <a:bodyPr/>
+          <a:lstStyle/>
+          <a:p>
+            <a:fld id="{846CE7D5-CF57-46EF-B807-FDD0502418D4}" type="datetimeFigureOut">
+              <a:rPr lang="en-GB" smtClean="0"/>
+            </a:fld>
+            <a:endParaRPr lang="en-GB"/>
+          </a:p>
+        </p:txBody>
+      </p:sp>
+      <p:sp>
+        <p:nvSpPr>
+          <p:cNvPr id="5" name="Footer Placeholder 4"/>
+          <p:cNvSpPr>
+            <a:spLocks noGrp="1"/>
+          </p:cNvSpPr>
+          <p:nvPr>
+            <p:ph type="ftr" sz="quarter" idx="11"/>
+          </p:nvPr>
+        </p:nvSpPr>
+        <p:spPr/>
+        <p:txBody>
+          <a:bodyPr/>
+          <a:lstStyle/>
+          <a:p>
+            <a:endParaRPr lang="en-GB"/>
+          </a:p>
+        </p:txBody>
+      </p:sp>
+      <p:sp>
+        <p:nvSpPr>
+          <p:cNvPr id="6" name="Slide Number Placeholder 5"/>
+          <p:cNvSpPr>
+            <a:spLocks noGrp="1"/>
+          </p:cNvSpPr>
+          <p:nvPr>
+            <p:ph type="sldNum" sz="quarter" idx="12"/>
+          </p:nvPr>
+        </p:nvSpPr>
+        <p:spPr/>
+        <p:txBody>
+          <a:bodyPr/>
+          <a:lstStyle/>
+          <a:p>
+            <a:fld id="{330EA680-D336-4FF7-8B7A-9848BB0A1C32}" type="slidenum">
+              <a:rPr lang="en-GB" smtClean="0"/>
+            </a:fld>
+            <a:endParaRPr lang="en-GB"/>
+          </a:p>
+        </p:txBody>
+      </p:sp>
+    </p:spTree>
+  </p:cSld>
+  <p:clrMapOvr>
+    <a:masterClrMapping/>
+  </p:clrMapOvr>
+</p:sldLayout>
+</file>
+
 <file path=ppt/slideLayouts/slideLayout2.xml><?xml version="1.0" encoding="utf-8"?>
 <p:sldLayout xmlns:a="http://schemas.openxmlformats.org/drawingml/2006/main" xmlns:r="http://schemas.openxmlformats.org/officeDocument/2006/relationships" xmlns:p="http://schemas.openxmlformats.org/presentationml/2006/main" type="obj" preserve="1">
   <p:cSld name="Title and Content">
@@ -3079,6 +3248,7 @@
     <p:sldLayoutId id="2147483657" r:id="rId9"/>
     <p:sldLayoutId id="2147483658" r:id="rId10"/>
     <p:sldLayoutId id="2147483659" r:id="rId11"/>
+    <p:sldLayoutId id="2147483660" r:id="rId12"/>
   </p:sldLayoutIdLst>
   <p:txStyles>
     <p:titleStyle>
@@ -3929,6 +4099,362 @@
           <a:chExt cx="0" cy="0"/>
         </a:xfrm>
       </p:grpSpPr>
+      <p:sp>
+        <p:nvSpPr>
+          <p:cNvPr id="29" name="Rectangle 28"/>
+          <p:cNvSpPr>
+            <a:spLocks noGrp="1" noRot="1" noChangeAspect="1" noMove="1" noResize="1" noEditPoints="1" noAdjustHandles="1" noChangeArrowheads="1" noChangeShapeType="1" noTextEdit="1"/>
+          </p:cNvSpPr>
+          <p:nvPr/>
+        </p:nvSpPr>
+        <p:spPr>
+          <a:xfrm rot="10800000" flipH="1">
+            <a:off x="2" y="0"/>
+            <a:ext cx="12191998" cy="1575955"/>
+          </a:xfrm>
+          <a:prstGeom prst="rect">
+            <a:avLst/>
+          </a:prstGeom>
+          <a:gradFill>
+            <a:gsLst>
+              <a:gs pos="0">
+                <a:srgbClr val="000000">
+                  <a:alpha val="96000"/>
+                </a:srgbClr>
+              </a:gs>
+              <a:gs pos="100000">
+                <a:schemeClr val="accent1">
+                  <a:lumMod val="75000"/>
+                </a:schemeClr>
+              </a:gs>
+            </a:gsLst>
+            <a:lin ang="6000000" scaled="0"/>
+          </a:gradFill>
+          <a:ln>
+            <a:noFill/>
+          </a:ln>
+        </p:spPr>
+        <p:style>
+          <a:lnRef idx="2">
+            <a:schemeClr val="accent1">
+              <a:shade val="50000"/>
+            </a:schemeClr>
+          </a:lnRef>
+          <a:fillRef idx="1">
+            <a:schemeClr val="accent1"/>
+          </a:fillRef>
+          <a:effectRef idx="0">
+            <a:schemeClr val="accent1"/>
+          </a:effectRef>
+          <a:fontRef idx="minor">
+            <a:schemeClr val="lt1"/>
+          </a:fontRef>
+        </p:style>
+        <p:txBody>
+          <a:bodyPr rtlCol="0" anchor="ctr"/>
+          <a:lstStyle/>
+          <a:p>
+            <a:pPr algn="ctr"/>
+            <a:endParaRPr lang="en-US"/>
+          </a:p>
+        </p:txBody>
+      </p:sp>
+      <p:sp>
+        <p:nvSpPr>
+          <p:cNvPr id="24" name="Rectangle 23"/>
+          <p:cNvSpPr>
+            <a:spLocks noGrp="1" noRot="1" noChangeAspect="1" noMove="1" noResize="1" noEditPoints="1" noAdjustHandles="1" noChangeArrowheads="1" noChangeShapeType="1" noTextEdit="1"/>
+          </p:cNvSpPr>
+          <p:nvPr/>
+        </p:nvSpPr>
+        <p:spPr>
+          <a:xfrm>
+            <a:off x="0" y="0"/>
+            <a:ext cx="8128856" cy="1575461"/>
+          </a:xfrm>
+          <a:prstGeom prst="rect">
+            <a:avLst/>
+          </a:prstGeom>
+          <a:gradFill>
+            <a:gsLst>
+              <a:gs pos="0">
+                <a:schemeClr val="accent1">
+                  <a:alpha val="41000"/>
+                </a:schemeClr>
+              </a:gs>
+              <a:gs pos="74000">
+                <a:schemeClr val="accent1">
+                  <a:lumMod val="60000"/>
+                  <a:lumOff val="40000"/>
+                  <a:alpha val="0"/>
+                </a:schemeClr>
+              </a:gs>
+            </a:gsLst>
+            <a:lin ang="8400000" scaled="0"/>
+          </a:gradFill>
+          <a:ln>
+            <a:noFill/>
+          </a:ln>
+        </p:spPr>
+        <p:style>
+          <a:lnRef idx="2">
+            <a:schemeClr val="accent1">
+              <a:shade val="50000"/>
+            </a:schemeClr>
+          </a:lnRef>
+          <a:fillRef idx="1">
+            <a:schemeClr val="accent1"/>
+          </a:fillRef>
+          <a:effectRef idx="0">
+            <a:schemeClr val="accent1"/>
+          </a:effectRef>
+          <a:fontRef idx="minor">
+            <a:schemeClr val="lt1"/>
+          </a:fontRef>
+        </p:style>
+        <p:txBody>
+          <a:bodyPr rtlCol="0" anchor="ctr"/>
+          <a:lstStyle/>
+          <a:p>
+            <a:pPr algn="ctr"/>
+            <a:endParaRPr lang="en-US"/>
+          </a:p>
+        </p:txBody>
+      </p:sp>
+      <p:sp>
+        <p:nvSpPr>
+          <p:cNvPr id="33" name="Rectangle 32"/>
+          <p:cNvSpPr>
+            <a:spLocks noGrp="1" noRot="1" noChangeAspect="1" noMove="1" noResize="1" noEditPoints="1" noAdjustHandles="1" noChangeArrowheads="1" noChangeShapeType="1" noTextEdit="1"/>
+          </p:cNvSpPr>
+          <p:nvPr/>
+        </p:nvSpPr>
+        <p:spPr>
+          <a:xfrm flipH="1">
+            <a:off x="-3" y="-1"/>
+            <a:ext cx="12192002" cy="1574311"/>
+          </a:xfrm>
+          <a:prstGeom prst="rect">
+            <a:avLst/>
+          </a:prstGeom>
+          <a:gradFill>
+            <a:gsLst>
+              <a:gs pos="0">
+                <a:srgbClr val="000000">
+                  <a:alpha val="63000"/>
+                </a:srgbClr>
+              </a:gs>
+              <a:gs pos="78000">
+                <a:schemeClr val="accent1">
+                  <a:alpha val="15000"/>
+                </a:schemeClr>
+              </a:gs>
+            </a:gsLst>
+            <a:lin ang="15600000" scaled="0"/>
+          </a:gradFill>
+          <a:ln>
+            <a:noFill/>
+          </a:ln>
+        </p:spPr>
+        <p:style>
+          <a:lnRef idx="2">
+            <a:schemeClr val="accent1">
+              <a:shade val="50000"/>
+            </a:schemeClr>
+          </a:lnRef>
+          <a:fillRef idx="1">
+            <a:schemeClr val="accent1"/>
+          </a:fillRef>
+          <a:effectRef idx="0">
+            <a:schemeClr val="accent1"/>
+          </a:effectRef>
+          <a:fontRef idx="minor">
+            <a:schemeClr val="lt1"/>
+          </a:fontRef>
+        </p:style>
+        <p:txBody>
+          <a:bodyPr rtlCol="0" anchor="ctr"/>
+          <a:lstStyle/>
+          <a:p>
+            <a:pPr algn="ctr"/>
+            <a:endParaRPr lang="en-US"/>
+          </a:p>
+        </p:txBody>
+      </p:sp>
+      <p:sp>
+        <p:nvSpPr>
+          <p:cNvPr id="2" name="Title 1"/>
+          <p:cNvSpPr>
+            <a:spLocks noGrp="1"/>
+          </p:cNvSpPr>
+          <p:nvPr>
+            <p:ph type="title"/>
+          </p:nvPr>
+        </p:nvSpPr>
+        <p:spPr>
+          <a:xfrm>
+            <a:off x="699770" y="248285"/>
+            <a:ext cx="8733790" cy="1159510"/>
+          </a:xfrm>
+        </p:spPr>
+        <p:txBody>
+          <a:bodyPr vert="horz" lIns="91440" tIns="45720" rIns="91440" bIns="45720" rtlCol="0" anchor="ctr">
+            <a:normAutofit/>
+          </a:bodyPr>
+          <a:lstStyle/>
+          <a:p>
+            <a:r>
+              <a:rPr lang="en-US" sz="3700" kern="1200" dirty="0">
+                <a:solidFill>
+                  <a:srgbClr val="FFFFFF"/>
+                </a:solidFill>
+                <a:latin typeface="+mj-lt"/>
+                <a:ea typeface="+mj-ea"/>
+                <a:cs typeface="+mj-cs"/>
+              </a:rPr>
+              <a:t>Implementácia hry Minesweeper</a:t>
+            </a:r>
+            <a:endParaRPr lang="en-US" altLang="ja-JP" sz="3700" kern="1200" dirty="0">
+              <a:solidFill>
+                <a:srgbClr val="FFFFFF"/>
+              </a:solidFill>
+              <a:latin typeface="+mj-lt"/>
+              <a:ea typeface="+mj-ea"/>
+              <a:cs typeface="+mj-cs"/>
+            </a:endParaRPr>
+          </a:p>
+        </p:txBody>
+      </p:sp>
+      <p:pic>
+        <p:nvPicPr>
+          <p:cNvPr id="3" name="Picture 2"/>
+          <p:cNvPicPr>
+            <a:picLocks noChangeAspect="1"/>
+          </p:cNvPicPr>
+          <p:nvPr/>
+        </p:nvPicPr>
+        <p:blipFill>
+          <a:blip r:embed="rId1"/>
+          <a:stretch>
+            <a:fillRect/>
+          </a:stretch>
+        </p:blipFill>
+        <p:spPr>
+          <a:xfrm>
+            <a:off x="0" y="2219960"/>
+            <a:ext cx="5706110" cy="4123690"/>
+          </a:xfrm>
+          <a:prstGeom prst="rect">
+            <a:avLst/>
+          </a:prstGeom>
+        </p:spPr>
+      </p:pic>
+      <p:pic>
+        <p:nvPicPr>
+          <p:cNvPr id="4" name="Picture 3"/>
+          <p:cNvPicPr>
+            <a:picLocks noChangeAspect="1"/>
+          </p:cNvPicPr>
+          <p:nvPr/>
+        </p:nvPicPr>
+        <p:blipFill>
+          <a:blip r:embed="rId2"/>
+          <a:srcRect l="225"/>
+          <a:stretch>
+            <a:fillRect/>
+          </a:stretch>
+        </p:blipFill>
+        <p:spPr>
+          <a:xfrm>
+            <a:off x="5701665" y="2719705"/>
+            <a:ext cx="6490335" cy="3124200"/>
+          </a:xfrm>
+          <a:prstGeom prst="rect">
+            <a:avLst/>
+          </a:prstGeom>
+        </p:spPr>
+      </p:pic>
+    </p:spTree>
+  </p:cSld>
+  <p:clrMapOvr>
+    <a:masterClrMapping/>
+  </p:clrMapOvr>
+</p:sld>
+</file>
+
+<file path=ppt/slides/slide11.xml><?xml version="1.0" encoding="utf-8"?>
+<p:sld xmlns:a="http://schemas.openxmlformats.org/drawingml/2006/main" xmlns:r="http://schemas.openxmlformats.org/officeDocument/2006/relationships" xmlns:p="http://schemas.openxmlformats.org/presentationml/2006/main">
+  <p:cSld>
+    <p:spTree>
+      <p:nvGrpSpPr>
+        <p:cNvPr id="1" name=""/>
+        <p:cNvGrpSpPr/>
+        <p:nvPr/>
+      </p:nvGrpSpPr>
+      <p:grpSpPr/>
+      <p:pic>
+        <p:nvPicPr>
+          <p:cNvPr id="4" name="Picture 3" descr="drawing"/>
+          <p:cNvPicPr>
+            <a:picLocks noChangeAspect="1"/>
+          </p:cNvPicPr>
+          <p:nvPr/>
+        </p:nvPicPr>
+        <p:blipFill>
+          <a:blip r:embed="rId1">
+            <a:extLst>
+              <a:ext uri="{96DAC541-7B7A-43D3-8B79-37D633B846F1}">
+                <asvg:svgBlip xmlns:asvg="http://schemas.microsoft.com/office/drawing/2016/SVG/main" r:embed="rId2"/>
+              </a:ext>
+            </a:extLst>
+          </a:blip>
+          <a:stretch>
+            <a:fillRect/>
+          </a:stretch>
+        </p:blipFill>
+        <p:spPr>
+          <a:xfrm>
+            <a:off x="0" y="1270"/>
+            <a:ext cx="12192000" cy="6856730"/>
+          </a:xfrm>
+          <a:prstGeom prst="rect">
+            <a:avLst/>
+          </a:prstGeom>
+        </p:spPr>
+      </p:pic>
+    </p:spTree>
+  </p:cSld>
+  <p:clrMapOvr>
+    <a:masterClrMapping/>
+  </p:clrMapOvr>
+</p:sld>
+</file>
+
+<file path=ppt/slides/slide12.xml><?xml version="1.0" encoding="utf-8"?>
+<p:sld xmlns:a="http://schemas.openxmlformats.org/drawingml/2006/main" xmlns:r="http://schemas.openxmlformats.org/officeDocument/2006/relationships" xmlns:p="http://schemas.openxmlformats.org/presentationml/2006/main">
+  <p:cSld>
+    <p:bg>
+      <p:bgPr>
+        <a:solidFill>
+          <a:schemeClr val="bg1"/>
+        </a:solidFill>
+        <a:effectLst/>
+      </p:bgPr>
+    </p:bg>
+    <p:spTree>
+      <p:nvGrpSpPr>
+        <p:cNvPr id="1" name=""/>
+        <p:cNvGrpSpPr/>
+        <p:nvPr/>
+      </p:nvGrpSpPr>
+      <p:grpSpPr>
+        <a:xfrm>
+          <a:off x="0" y="0"/>
+          <a:ext cx="0" cy="0"/>
+          <a:chOff x="0" y="0"/>
+          <a:chExt cx="0" cy="0"/>
+        </a:xfrm>
+      </p:grpSpPr>
       <p:sp useBgFill="1">
         <p:nvSpPr>
           <p:cNvPr id="7" name="Rectangle 6"/>
@@ -6152,6 +6678,30 @@
       </p:grpSpPr>
       <p:pic>
         <p:nvPicPr>
+          <p:cNvPr id="4" name="Picture 3"/>
+          <p:cNvPicPr>
+            <a:picLocks noChangeAspect="1"/>
+          </p:cNvPicPr>
+          <p:nvPr/>
+        </p:nvPicPr>
+        <p:blipFill>
+          <a:blip r:embed="rId1"/>
+          <a:stretch>
+            <a:fillRect/>
+          </a:stretch>
+        </p:blipFill>
+        <p:spPr>
+          <a:xfrm>
+            <a:off x="0" y="1403985"/>
+            <a:ext cx="10280015" cy="5454015"/>
+          </a:xfrm>
+          <a:prstGeom prst="rect">
+            <a:avLst/>
+          </a:prstGeom>
+        </p:spPr>
+      </p:pic>
+      <p:pic>
+        <p:nvPicPr>
           <p:cNvPr id="11" name="Picture 10"/>
           <p:cNvPicPr>
             <a:picLocks noChangeAspect="1"/>
@@ -6159,7 +6709,7 @@
           <p:nvPr/>
         </p:nvPicPr>
         <p:blipFill>
-          <a:blip r:embed="rId1"/>
+          <a:blip r:embed="rId2"/>
           <a:stretch>
             <a:fillRect/>
           </a:stretch>
@@ -6402,31 +6952,7 @@
       </p:sp>
       <p:pic>
         <p:nvPicPr>
-          <p:cNvPr id="8" name="Picture 7"/>
-          <p:cNvPicPr>
-            <a:picLocks noChangeAspect="1"/>
-          </p:cNvPicPr>
-          <p:nvPr/>
-        </p:nvPicPr>
-        <p:blipFill>
-          <a:blip r:embed="rId2"/>
-          <a:stretch>
-            <a:fillRect/>
-          </a:stretch>
-        </p:blipFill>
-        <p:spPr>
-          <a:xfrm>
-            <a:off x="0" y="1575435"/>
-            <a:ext cx="9937115" cy="5282565"/>
-          </a:xfrm>
-          <a:prstGeom prst="rect">
-            <a:avLst/>
-          </a:prstGeom>
-        </p:spPr>
-      </p:pic>
-      <p:pic>
-        <p:nvPicPr>
-          <p:cNvPr id="10" name="Picture 9"/>
+          <p:cNvPr id="3" name="Picture 2"/>
           <p:cNvPicPr>
             <a:picLocks noChangeAspect="1"/>
           </p:cNvPicPr>
@@ -6434,15 +6960,14 @@
         </p:nvPicPr>
         <p:blipFill>
           <a:blip r:embed="rId3"/>
-          <a:srcRect b="43572"/>
           <a:stretch>
             <a:fillRect/>
           </a:stretch>
         </p:blipFill>
         <p:spPr>
           <a:xfrm>
-            <a:off x="4543425" y="1574165"/>
-            <a:ext cx="7648575" cy="1378585"/>
+            <a:off x="4537075" y="1574165"/>
+            <a:ext cx="7654925" cy="1911350"/>
           </a:xfrm>
           <a:prstGeom prst="rect">
             <a:avLst/>
@@ -6458,6 +6983,48 @@
 </file>
 
 <file path=ppt/slides/slide6.xml><?xml version="1.0" encoding="utf-8"?>
+<p:sld xmlns:a="http://schemas.openxmlformats.org/drawingml/2006/main" xmlns:r="http://schemas.openxmlformats.org/officeDocument/2006/relationships" xmlns:p="http://schemas.openxmlformats.org/presentationml/2006/main">
+  <p:cSld>
+    <p:spTree>
+      <p:nvGrpSpPr>
+        <p:cNvPr id="1" name=""/>
+        <p:cNvGrpSpPr/>
+        <p:nvPr/>
+      </p:nvGrpSpPr>
+      <p:grpSpPr/>
+      <p:pic>
+        <p:nvPicPr>
+          <p:cNvPr id="6" name="Picture 5" descr="SBMFont"/>
+          <p:cNvPicPr>
+            <a:picLocks noChangeAspect="1"/>
+          </p:cNvPicPr>
+          <p:nvPr/>
+        </p:nvPicPr>
+        <p:blipFill>
+          <a:blip r:embed="rId1"/>
+          <a:stretch>
+            <a:fillRect/>
+          </a:stretch>
+        </p:blipFill>
+        <p:spPr>
+          <a:xfrm>
+            <a:off x="0" y="0"/>
+            <a:ext cx="12192000" cy="6858000"/>
+          </a:xfrm>
+          <a:prstGeom prst="rect">
+            <a:avLst/>
+          </a:prstGeom>
+        </p:spPr>
+      </p:pic>
+    </p:spTree>
+  </p:cSld>
+  <p:clrMapOvr>
+    <a:masterClrMapping/>
+  </p:clrMapOvr>
+</p:sld>
+</file>
+
+<file path=ppt/slides/slide7.xml><?xml version="1.0" encoding="utf-8"?>
 <p:sld xmlns:a="http://schemas.openxmlformats.org/drawingml/2006/main" xmlns:r="http://schemas.openxmlformats.org/officeDocument/2006/relationships" xmlns:p="http://schemas.openxmlformats.org/presentationml/2006/main">
   <p:cSld>
     <p:bg>
@@ -6738,313 +7305,6 @@
 </p:sld>
 </file>
 
-<file path=ppt/slides/slide7.xml><?xml version="1.0" encoding="utf-8"?>
-<p:sld xmlns:a="http://schemas.openxmlformats.org/drawingml/2006/main" xmlns:r="http://schemas.openxmlformats.org/officeDocument/2006/relationships" xmlns:p="http://schemas.openxmlformats.org/presentationml/2006/main">
-  <p:cSld>
-    <p:bg>
-      <p:bgPr>
-        <a:solidFill>
-          <a:schemeClr val="bg1"/>
-        </a:solidFill>
-        <a:effectLst/>
-      </p:bgPr>
-    </p:bg>
-    <p:spTree>
-      <p:nvGrpSpPr>
-        <p:cNvPr id="1" name=""/>
-        <p:cNvGrpSpPr/>
-        <p:nvPr/>
-      </p:nvGrpSpPr>
-      <p:grpSpPr>
-        <a:xfrm>
-          <a:off x="0" y="0"/>
-          <a:ext cx="0" cy="0"/>
-          <a:chOff x="0" y="0"/>
-          <a:chExt cx="0" cy="0"/>
-        </a:xfrm>
-      </p:grpSpPr>
-      <p:sp>
-        <p:nvSpPr>
-          <p:cNvPr id="29" name="Rectangle 28"/>
-          <p:cNvSpPr>
-            <a:spLocks noGrp="1" noRot="1" noChangeAspect="1" noMove="1" noResize="1" noEditPoints="1" noAdjustHandles="1" noChangeArrowheads="1" noChangeShapeType="1" noTextEdit="1"/>
-          </p:cNvSpPr>
-          <p:nvPr/>
-        </p:nvSpPr>
-        <p:spPr>
-          <a:xfrm rot="10800000" flipH="1">
-            <a:off x="2" y="0"/>
-            <a:ext cx="12191998" cy="1575955"/>
-          </a:xfrm>
-          <a:prstGeom prst="rect">
-            <a:avLst/>
-          </a:prstGeom>
-          <a:gradFill>
-            <a:gsLst>
-              <a:gs pos="0">
-                <a:srgbClr val="000000">
-                  <a:alpha val="96000"/>
-                </a:srgbClr>
-              </a:gs>
-              <a:gs pos="100000">
-                <a:schemeClr val="accent1">
-                  <a:lumMod val="75000"/>
-                </a:schemeClr>
-              </a:gs>
-            </a:gsLst>
-            <a:lin ang="6000000" scaled="0"/>
-          </a:gradFill>
-          <a:ln>
-            <a:noFill/>
-          </a:ln>
-        </p:spPr>
-        <p:style>
-          <a:lnRef idx="2">
-            <a:schemeClr val="accent1">
-              <a:shade val="50000"/>
-            </a:schemeClr>
-          </a:lnRef>
-          <a:fillRef idx="1">
-            <a:schemeClr val="accent1"/>
-          </a:fillRef>
-          <a:effectRef idx="0">
-            <a:schemeClr val="accent1"/>
-          </a:effectRef>
-          <a:fontRef idx="minor">
-            <a:schemeClr val="lt1"/>
-          </a:fontRef>
-        </p:style>
-        <p:txBody>
-          <a:bodyPr rtlCol="0" anchor="ctr"/>
-          <a:lstStyle/>
-          <a:p>
-            <a:pPr algn="ctr"/>
-            <a:endParaRPr lang="en-US"/>
-          </a:p>
-        </p:txBody>
-      </p:sp>
-      <p:sp>
-        <p:nvSpPr>
-          <p:cNvPr id="24" name="Rectangle 23"/>
-          <p:cNvSpPr>
-            <a:spLocks noGrp="1" noRot="1" noChangeAspect="1" noMove="1" noResize="1" noEditPoints="1" noAdjustHandles="1" noChangeArrowheads="1" noChangeShapeType="1" noTextEdit="1"/>
-          </p:cNvSpPr>
-          <p:nvPr/>
-        </p:nvSpPr>
-        <p:spPr>
-          <a:xfrm>
-            <a:off x="0" y="0"/>
-            <a:ext cx="8128856" cy="1575461"/>
-          </a:xfrm>
-          <a:prstGeom prst="rect">
-            <a:avLst/>
-          </a:prstGeom>
-          <a:gradFill>
-            <a:gsLst>
-              <a:gs pos="0">
-                <a:schemeClr val="accent1">
-                  <a:alpha val="41000"/>
-                </a:schemeClr>
-              </a:gs>
-              <a:gs pos="74000">
-                <a:schemeClr val="accent1">
-                  <a:lumMod val="60000"/>
-                  <a:lumOff val="40000"/>
-                  <a:alpha val="0"/>
-                </a:schemeClr>
-              </a:gs>
-            </a:gsLst>
-            <a:lin ang="8400000" scaled="0"/>
-          </a:gradFill>
-          <a:ln>
-            <a:noFill/>
-          </a:ln>
-        </p:spPr>
-        <p:style>
-          <a:lnRef idx="2">
-            <a:schemeClr val="accent1">
-              <a:shade val="50000"/>
-            </a:schemeClr>
-          </a:lnRef>
-          <a:fillRef idx="1">
-            <a:schemeClr val="accent1"/>
-          </a:fillRef>
-          <a:effectRef idx="0">
-            <a:schemeClr val="accent1"/>
-          </a:effectRef>
-          <a:fontRef idx="minor">
-            <a:schemeClr val="lt1"/>
-          </a:fontRef>
-        </p:style>
-        <p:txBody>
-          <a:bodyPr rtlCol="0" anchor="ctr"/>
-          <a:lstStyle/>
-          <a:p>
-            <a:pPr algn="ctr"/>
-            <a:endParaRPr lang="en-US"/>
-          </a:p>
-        </p:txBody>
-      </p:sp>
-      <p:sp>
-        <p:nvSpPr>
-          <p:cNvPr id="33" name="Rectangle 32"/>
-          <p:cNvSpPr>
-            <a:spLocks noGrp="1" noRot="1" noChangeAspect="1" noMove="1" noResize="1" noEditPoints="1" noAdjustHandles="1" noChangeArrowheads="1" noChangeShapeType="1" noTextEdit="1"/>
-          </p:cNvSpPr>
-          <p:nvPr/>
-        </p:nvSpPr>
-        <p:spPr>
-          <a:xfrm flipH="1">
-            <a:off x="-3" y="-1"/>
-            <a:ext cx="12192002" cy="1574311"/>
-          </a:xfrm>
-          <a:prstGeom prst="rect">
-            <a:avLst/>
-          </a:prstGeom>
-          <a:gradFill>
-            <a:gsLst>
-              <a:gs pos="0">
-                <a:srgbClr val="000000">
-                  <a:alpha val="63000"/>
-                </a:srgbClr>
-              </a:gs>
-              <a:gs pos="78000">
-                <a:schemeClr val="accent1">
-                  <a:alpha val="15000"/>
-                </a:schemeClr>
-              </a:gs>
-            </a:gsLst>
-            <a:lin ang="15600000" scaled="0"/>
-          </a:gradFill>
-          <a:ln>
-            <a:noFill/>
-          </a:ln>
-        </p:spPr>
-        <p:style>
-          <a:lnRef idx="2">
-            <a:schemeClr val="accent1">
-              <a:shade val="50000"/>
-            </a:schemeClr>
-          </a:lnRef>
-          <a:fillRef idx="1">
-            <a:schemeClr val="accent1"/>
-          </a:fillRef>
-          <a:effectRef idx="0">
-            <a:schemeClr val="accent1"/>
-          </a:effectRef>
-          <a:fontRef idx="minor">
-            <a:schemeClr val="lt1"/>
-          </a:fontRef>
-        </p:style>
-        <p:txBody>
-          <a:bodyPr rtlCol="0" anchor="ctr"/>
-          <a:lstStyle/>
-          <a:p>
-            <a:pPr algn="ctr"/>
-            <a:endParaRPr lang="en-US"/>
-          </a:p>
-        </p:txBody>
-      </p:sp>
-      <p:sp>
-        <p:nvSpPr>
-          <p:cNvPr id="2" name="Title 1"/>
-          <p:cNvSpPr>
-            <a:spLocks noGrp="1"/>
-          </p:cNvSpPr>
-          <p:nvPr>
-            <p:ph type="title"/>
-          </p:nvPr>
-        </p:nvSpPr>
-        <p:spPr>
-          <a:xfrm>
-            <a:off x="699713" y="248038"/>
-            <a:ext cx="7063721" cy="1159200"/>
-          </a:xfrm>
-        </p:spPr>
-        <p:txBody>
-          <a:bodyPr vert="horz" lIns="91440" tIns="45720" rIns="91440" bIns="45720" rtlCol="0" anchor="ctr">
-            <a:normAutofit/>
-          </a:bodyPr>
-          <a:lstStyle/>
-          <a:p>
-            <a:r>
-              <a:rPr lang="en-US" sz="3700" kern="1200" dirty="0">
-                <a:solidFill>
-                  <a:srgbClr val="FFFFFF"/>
-                </a:solidFill>
-                <a:latin typeface="+mj-lt"/>
-                <a:ea typeface="+mj-ea"/>
-                <a:cs typeface="+mj-cs"/>
-              </a:rPr>
-              <a:t>Implementácia hry Tetris</a:t>
-            </a:r>
-            <a:endParaRPr lang="en-US" sz="3700" kern="1200" dirty="0">
-              <a:solidFill>
-                <a:srgbClr val="FFFFFF"/>
-              </a:solidFill>
-              <a:latin typeface="+mj-lt"/>
-              <a:ea typeface="+mj-ea"/>
-              <a:cs typeface="+mj-cs"/>
-            </a:endParaRPr>
-          </a:p>
-        </p:txBody>
-      </p:sp>
-      <p:pic>
-        <p:nvPicPr>
-          <p:cNvPr id="6" name="Picture 5"/>
-          <p:cNvPicPr>
-            <a:picLocks noChangeAspect="1"/>
-          </p:cNvPicPr>
-          <p:nvPr/>
-        </p:nvPicPr>
-        <p:blipFill>
-          <a:blip r:embed="rId1"/>
-          <a:stretch>
-            <a:fillRect/>
-          </a:stretch>
-        </p:blipFill>
-        <p:spPr>
-          <a:xfrm>
-            <a:off x="0" y="2024380"/>
-            <a:ext cx="6758940" cy="4429125"/>
-          </a:xfrm>
-          <a:prstGeom prst="rect">
-            <a:avLst/>
-          </a:prstGeom>
-        </p:spPr>
-      </p:pic>
-      <p:pic>
-        <p:nvPicPr>
-          <p:cNvPr id="7" name="Picture 6"/>
-          <p:cNvPicPr>
-            <a:picLocks noChangeAspect="1"/>
-          </p:cNvPicPr>
-          <p:nvPr/>
-        </p:nvPicPr>
-        <p:blipFill>
-          <a:blip r:embed="rId2"/>
-          <a:stretch>
-            <a:fillRect/>
-          </a:stretch>
-        </p:blipFill>
-        <p:spPr>
-          <a:xfrm>
-            <a:off x="6758940" y="2023745"/>
-            <a:ext cx="5433060" cy="4429760"/>
-          </a:xfrm>
-          <a:prstGeom prst="rect">
-            <a:avLst/>
-          </a:prstGeom>
-        </p:spPr>
-      </p:pic>
-    </p:spTree>
-  </p:cSld>
-  <p:clrMapOvr>
-    <a:masterClrMapping/>
-  </p:clrMapOvr>
-</p:sld>
-</file>
-
 <file path=ppt/slides/slide8.xml><?xml version="1.0" encoding="utf-8"?>
 <p:sld xmlns:a="http://schemas.openxmlformats.org/drawingml/2006/main" xmlns:r="http://schemas.openxmlformats.org/officeDocument/2006/relationships" xmlns:p="http://schemas.openxmlformats.org/presentationml/2006/main">
   <p:cSld>
@@ -7072,56 +7332,6 @@
       </p:grpSpPr>
       <p:sp>
         <p:nvSpPr>
-          <p:cNvPr id="32" name="Rectangle 31"/>
-          <p:cNvSpPr>
-            <a:spLocks noGrp="1" noRot="1" noChangeAspect="1" noMove="1" noResize="1" noEditPoints="1" noAdjustHandles="1" noChangeArrowheads="1" noChangeShapeType="1" noTextEdit="1"/>
-          </p:cNvSpPr>
-          <p:nvPr/>
-        </p:nvSpPr>
-        <p:spPr>
-          <a:xfrm>
-            <a:off x="5821045" y="0"/>
-            <a:ext cx="91440" cy="6858000"/>
-          </a:xfrm>
-          <a:prstGeom prst="rect">
-            <a:avLst/>
-          </a:prstGeom>
-          <a:solidFill>
-            <a:schemeClr val="tx1">
-              <a:lumMod val="75000"/>
-              <a:lumOff val="25000"/>
-            </a:schemeClr>
-          </a:solidFill>
-          <a:ln>
-            <a:noFill/>
-          </a:ln>
-        </p:spPr>
-        <p:style>
-          <a:lnRef idx="2">
-            <a:schemeClr val="accent1">
-              <a:shade val="50000"/>
-            </a:schemeClr>
-          </a:lnRef>
-          <a:fillRef idx="1">
-            <a:schemeClr val="accent1"/>
-          </a:fillRef>
-          <a:effectRef idx="0">
-            <a:schemeClr val="accent1"/>
-          </a:effectRef>
-          <a:fontRef idx="minor">
-            <a:schemeClr val="lt1"/>
-          </a:fontRef>
-        </p:style>
-        <p:txBody>
-          <a:bodyPr rtlCol="0" anchor="ctr"/>
-          <a:p>
-            <a:pPr algn="ctr"/>
-            <a:endParaRPr lang="en-US"/>
-          </a:p>
-        </p:txBody>
-      </p:sp>
-      <p:sp>
-        <p:nvSpPr>
           <p:cNvPr id="29" name="Rectangle 28"/>
           <p:cNvSpPr>
             <a:spLocks noGrp="1" noRot="1" noChangeAspect="1" noMove="1" noResize="1" noEditPoints="1" noAdjustHandles="1" noChangeArrowheads="1" noChangeShapeType="1" noTextEdit="1"/>
@@ -7333,20 +7543,9 @@
                 <a:ea typeface="+mj-ea"/>
                 <a:cs typeface="+mj-cs"/>
               </a:rPr>
-              <a:t>Tetris data</a:t>
-            </a:r>
-            <a:r>
-              <a:rPr lang="sk-SK" sz="3700" kern="1200" dirty="0">
-                <a:solidFill>
-                  <a:srgbClr val="FFFFFF"/>
-                </a:solidFill>
-                <a:latin typeface="+mj-lt"/>
-                <a:ea typeface="+mj-ea"/>
-                <a:cs typeface="+mj-cs"/>
-              </a:rPr>
-              <a:t>báza</a:t>
-            </a:r>
-            <a:endParaRPr lang="sk-SK" sz="3700" kern="1200" dirty="0">
+              <a:t>Implementácia hry Tetris</a:t>
+            </a:r>
+            <a:endParaRPr lang="en-US" sz="3700" kern="1200" dirty="0">
               <a:solidFill>
                 <a:srgbClr val="FFFFFF"/>
               </a:solidFill>
@@ -7359,7 +7558,7 @@
       </p:sp>
       <p:pic>
         <p:nvPicPr>
-          <p:cNvPr id="5" name="Picture 4"/>
+          <p:cNvPr id="6" name="Picture 5"/>
           <p:cNvPicPr>
             <a:picLocks noChangeAspect="1"/>
           </p:cNvPicPr>
@@ -7373,8 +7572,8 @@
         </p:blipFill>
         <p:spPr>
           <a:xfrm>
-            <a:off x="303530" y="2134870"/>
-            <a:ext cx="5334000" cy="4343400"/>
+            <a:off x="0" y="2024380"/>
+            <a:ext cx="6758940" cy="4429125"/>
           </a:xfrm>
           <a:prstGeom prst="rect">
             <a:avLst/>
@@ -7383,7 +7582,7 @@
       </p:pic>
       <p:pic>
         <p:nvPicPr>
-          <p:cNvPr id="3" name="Picture 2"/>
+          <p:cNvPr id="7" name="Picture 6"/>
           <p:cNvPicPr>
             <a:picLocks noChangeAspect="1"/>
           </p:cNvPicPr>
@@ -7397,8 +7596,8 @@
         </p:blipFill>
         <p:spPr>
           <a:xfrm>
-            <a:off x="6096000" y="2206625"/>
-            <a:ext cx="5791200" cy="3886200"/>
+            <a:off x="6758940" y="2023745"/>
+            <a:ext cx="5433060" cy="4429760"/>
           </a:xfrm>
           <a:prstGeom prst="rect">
             <a:avLst/>
@@ -7438,6 +7637,104 @@
           <a:chExt cx="0" cy="0"/>
         </a:xfrm>
       </p:grpSpPr>
+      <p:pic>
+        <p:nvPicPr>
+          <p:cNvPr id="3" name="Picture 2"/>
+          <p:cNvPicPr>
+            <a:picLocks noChangeAspect="1"/>
+          </p:cNvPicPr>
+          <p:nvPr/>
+        </p:nvPicPr>
+        <p:blipFill>
+          <a:blip r:embed="rId1"/>
+          <a:stretch>
+            <a:fillRect/>
+          </a:stretch>
+        </p:blipFill>
+        <p:spPr>
+          <a:xfrm>
+            <a:off x="5860415" y="2048510"/>
+            <a:ext cx="6331585" cy="4248785"/>
+          </a:xfrm>
+          <a:prstGeom prst="rect">
+            <a:avLst/>
+          </a:prstGeom>
+        </p:spPr>
+      </p:pic>
+      <p:pic>
+        <p:nvPicPr>
+          <p:cNvPr id="5" name="Picture 4"/>
+          <p:cNvPicPr>
+            <a:picLocks noChangeAspect="1"/>
+          </p:cNvPicPr>
+          <p:nvPr/>
+        </p:nvPicPr>
+        <p:blipFill>
+          <a:blip r:embed="rId2"/>
+          <a:stretch>
+            <a:fillRect/>
+          </a:stretch>
+        </p:blipFill>
+        <p:spPr>
+          <a:xfrm>
+            <a:off x="-9525" y="1968500"/>
+            <a:ext cx="5850890" cy="4765040"/>
+          </a:xfrm>
+          <a:prstGeom prst="rect">
+            <a:avLst/>
+          </a:prstGeom>
+        </p:spPr>
+      </p:pic>
+      <p:sp>
+        <p:nvSpPr>
+          <p:cNvPr id="32" name="Rectangle 31"/>
+          <p:cNvSpPr>
+            <a:spLocks noGrp="1" noRot="1" noChangeAspect="1" noMove="1" noResize="1" noEditPoints="1" noAdjustHandles="1" noChangeArrowheads="1" noChangeShapeType="1" noTextEdit="1"/>
+          </p:cNvSpPr>
+          <p:nvPr/>
+        </p:nvSpPr>
+        <p:spPr>
+          <a:xfrm>
+            <a:off x="5821045" y="0"/>
+            <a:ext cx="91440" cy="6858000"/>
+          </a:xfrm>
+          <a:prstGeom prst="rect">
+            <a:avLst/>
+          </a:prstGeom>
+          <a:solidFill>
+            <a:schemeClr val="tx1">
+              <a:lumMod val="75000"/>
+              <a:lumOff val="25000"/>
+            </a:schemeClr>
+          </a:solidFill>
+          <a:ln>
+            <a:noFill/>
+          </a:ln>
+        </p:spPr>
+        <p:style>
+          <a:lnRef idx="2">
+            <a:schemeClr val="accent1">
+              <a:shade val="50000"/>
+            </a:schemeClr>
+          </a:lnRef>
+          <a:fillRef idx="1">
+            <a:schemeClr val="accent1"/>
+          </a:fillRef>
+          <a:effectRef idx="0">
+            <a:schemeClr val="accent1"/>
+          </a:effectRef>
+          <a:fontRef idx="minor">
+            <a:schemeClr val="lt1"/>
+          </a:fontRef>
+        </p:style>
+        <p:txBody>
+          <a:bodyPr rtlCol="0" anchor="ctr"/>
+          <a:p>
+            <a:pPr algn="ctr"/>
+            <a:endParaRPr lang="en-US"/>
+          </a:p>
+        </p:txBody>
+      </p:sp>
       <p:sp>
         <p:nvSpPr>
           <p:cNvPr id="29" name="Rectangle 28"/>
@@ -7632,8 +7929,8 @@
         </p:nvSpPr>
         <p:spPr>
           <a:xfrm>
-            <a:off x="699770" y="248285"/>
-            <a:ext cx="8733790" cy="1159510"/>
+            <a:off x="699713" y="248038"/>
+            <a:ext cx="7063721" cy="1159200"/>
           </a:xfrm>
         </p:spPr>
         <p:txBody>
@@ -7651,9 +7948,20 @@
                 <a:ea typeface="+mj-ea"/>
                 <a:cs typeface="+mj-cs"/>
               </a:rPr>
-              <a:t>Implementácia hry Minesweeper</a:t>
-            </a:r>
-            <a:endParaRPr lang="en-US" altLang="ja-JP" sz="3700" kern="1200" dirty="0">
+              <a:t>Tetris data</a:t>
+            </a:r>
+            <a:r>
+              <a:rPr lang="sk-SK" sz="3700" kern="1200" dirty="0">
+                <a:solidFill>
+                  <a:srgbClr val="FFFFFF"/>
+                </a:solidFill>
+                <a:latin typeface="+mj-lt"/>
+                <a:ea typeface="+mj-ea"/>
+                <a:cs typeface="+mj-cs"/>
+              </a:rPr>
+              <a:t>báza</a:t>
+            </a:r>
+            <a:endParaRPr lang="sk-SK" sz="3700" kern="1200" dirty="0">
               <a:solidFill>
                 <a:srgbClr val="FFFFFF"/>
               </a:solidFill>
@@ -7664,55 +7972,6 @@
           </a:p>
         </p:txBody>
       </p:sp>
-      <p:pic>
-        <p:nvPicPr>
-          <p:cNvPr id="3" name="Picture 2"/>
-          <p:cNvPicPr>
-            <a:picLocks noChangeAspect="1"/>
-          </p:cNvPicPr>
-          <p:nvPr/>
-        </p:nvPicPr>
-        <p:blipFill>
-          <a:blip r:embed="rId1"/>
-          <a:stretch>
-            <a:fillRect/>
-          </a:stretch>
-        </p:blipFill>
-        <p:spPr>
-          <a:xfrm>
-            <a:off x="0" y="2219960"/>
-            <a:ext cx="5706110" cy="4123690"/>
-          </a:xfrm>
-          <a:prstGeom prst="rect">
-            <a:avLst/>
-          </a:prstGeom>
-        </p:spPr>
-      </p:pic>
-      <p:pic>
-        <p:nvPicPr>
-          <p:cNvPr id="4" name="Picture 3"/>
-          <p:cNvPicPr>
-            <a:picLocks noChangeAspect="1"/>
-          </p:cNvPicPr>
-          <p:nvPr/>
-        </p:nvPicPr>
-        <p:blipFill>
-          <a:blip r:embed="rId2"/>
-          <a:srcRect l="225"/>
-          <a:stretch>
-            <a:fillRect/>
-          </a:stretch>
-        </p:blipFill>
-        <p:spPr>
-          <a:xfrm>
-            <a:off x="5701665" y="2719705"/>
-            <a:ext cx="6490335" cy="3124200"/>
-          </a:xfrm>
-          <a:prstGeom prst="rect">
-            <a:avLst/>
-          </a:prstGeom>
-        </p:spPr>
-      </p:pic>
     </p:spTree>
   </p:cSld>
   <p:clrMapOvr>
